--- a/庆生会 ppt.pptx
+++ b/庆生会 ppt.pptx
@@ -276,7 +276,7 @@
           <a:p>
             <a:fld id="{B7E11865-3583-4B99-8A75-00AD55E9BB0D}" type="datetimeFigureOut">
               <a:rPr lang="zh-CN" altLang="en-US" smtClean="0"/>
-              <a:t>2018/9/7</a:t>
+              <a:t>2020/6/10</a:t>
             </a:fld>
             <a:endParaRPr lang="zh-CN" altLang="en-US"/>
           </a:p>
@@ -474,7 +474,7 @@
           <a:p>
             <a:fld id="{B7E11865-3583-4B99-8A75-00AD55E9BB0D}" type="datetimeFigureOut">
               <a:rPr lang="zh-CN" altLang="en-US" smtClean="0"/>
-              <a:t>2018/9/7</a:t>
+              <a:t>2020/6/10</a:t>
             </a:fld>
             <a:endParaRPr lang="zh-CN" altLang="en-US"/>
           </a:p>
@@ -682,7 +682,7 @@
           <a:p>
             <a:fld id="{B7E11865-3583-4B99-8A75-00AD55E9BB0D}" type="datetimeFigureOut">
               <a:rPr lang="zh-CN" altLang="en-US" smtClean="0"/>
-              <a:t>2018/9/7</a:t>
+              <a:t>2020/6/10</a:t>
             </a:fld>
             <a:endParaRPr lang="zh-CN" altLang="en-US"/>
           </a:p>
@@ -880,7 +880,7 @@
           <a:p>
             <a:fld id="{B7E11865-3583-4B99-8A75-00AD55E9BB0D}" type="datetimeFigureOut">
               <a:rPr lang="zh-CN" altLang="en-US" smtClean="0"/>
-              <a:t>2018/9/7</a:t>
+              <a:t>2020/6/10</a:t>
             </a:fld>
             <a:endParaRPr lang="zh-CN" altLang="en-US"/>
           </a:p>
@@ -1155,7 +1155,7 @@
           <a:p>
             <a:fld id="{B7E11865-3583-4B99-8A75-00AD55E9BB0D}" type="datetimeFigureOut">
               <a:rPr lang="zh-CN" altLang="en-US" smtClean="0"/>
-              <a:t>2018/9/7</a:t>
+              <a:t>2020/6/10</a:t>
             </a:fld>
             <a:endParaRPr lang="zh-CN" altLang="en-US"/>
           </a:p>
@@ -1420,7 +1420,7 @@
           <a:p>
             <a:fld id="{B7E11865-3583-4B99-8A75-00AD55E9BB0D}" type="datetimeFigureOut">
               <a:rPr lang="zh-CN" altLang="en-US" smtClean="0"/>
-              <a:t>2018/9/7</a:t>
+              <a:t>2020/6/10</a:t>
             </a:fld>
             <a:endParaRPr lang="zh-CN" altLang="en-US"/>
           </a:p>
@@ -1832,7 +1832,7 @@
           <a:p>
             <a:fld id="{B7E11865-3583-4B99-8A75-00AD55E9BB0D}" type="datetimeFigureOut">
               <a:rPr lang="zh-CN" altLang="en-US" smtClean="0"/>
-              <a:t>2018/9/7</a:t>
+              <a:t>2020/6/10</a:t>
             </a:fld>
             <a:endParaRPr lang="zh-CN" altLang="en-US"/>
           </a:p>
@@ -1973,7 +1973,7 @@
           <a:p>
             <a:fld id="{B7E11865-3583-4B99-8A75-00AD55E9BB0D}" type="datetimeFigureOut">
               <a:rPr lang="zh-CN" altLang="en-US" smtClean="0"/>
-              <a:t>2018/9/7</a:t>
+              <a:t>2020/6/10</a:t>
             </a:fld>
             <a:endParaRPr lang="zh-CN" altLang="en-US"/>
           </a:p>
@@ -2086,7 +2086,7 @@
           <a:p>
             <a:fld id="{B7E11865-3583-4B99-8A75-00AD55E9BB0D}" type="datetimeFigureOut">
               <a:rPr lang="zh-CN" altLang="en-US" smtClean="0"/>
-              <a:t>2018/9/7</a:t>
+              <a:t>2020/6/10</a:t>
             </a:fld>
             <a:endParaRPr lang="zh-CN" altLang="en-US"/>
           </a:p>
@@ -2397,7 +2397,7 @@
           <a:p>
             <a:fld id="{B7E11865-3583-4B99-8A75-00AD55E9BB0D}" type="datetimeFigureOut">
               <a:rPr lang="zh-CN" altLang="en-US" smtClean="0"/>
-              <a:t>2018/9/7</a:t>
+              <a:t>2020/6/10</a:t>
             </a:fld>
             <a:endParaRPr lang="zh-CN" altLang="en-US"/>
           </a:p>
@@ -2685,7 +2685,7 @@
           <a:p>
             <a:fld id="{B7E11865-3583-4B99-8A75-00AD55E9BB0D}" type="datetimeFigureOut">
               <a:rPr lang="zh-CN" altLang="en-US" smtClean="0"/>
-              <a:t>2018/9/7</a:t>
+              <a:t>2020/6/10</a:t>
             </a:fld>
             <a:endParaRPr lang="zh-CN" altLang="en-US"/>
           </a:p>
@@ -2926,7 +2926,7 @@
           <a:p>
             <a:fld id="{B7E11865-3583-4B99-8A75-00AD55E9BB0D}" type="datetimeFigureOut">
               <a:rPr lang="zh-CN" altLang="en-US" smtClean="0"/>
-              <a:t>2018/9/7</a:t>
+              <a:t>2020/6/10</a:t>
             </a:fld>
             <a:endParaRPr lang="zh-CN" altLang="en-US"/>
           </a:p>
@@ -3853,22 +3853,12 @@
         <p:cTn id="1" dur="indefinite" restart="never" nodeType="tmRoot">
           <p:childTnLst>
             <p:seq concurrent="1" nextAc="seek">
-              <p:cTn id="2" restart="whenNotActive" fill="hold" evtFilter="cancelBubble" nodeType="interactiveSeq">
-                <p:stCondLst>
-                  <p:cond evt="onClick" delay="0">
-                    <p:tgtEl>
-                      <p:spTgt spid="3"/>
-                    </p:tgtEl>
-                  </p:cond>
-                </p:stCondLst>
-                <p:endSync evt="end" delay="0">
-                  <p:rtn val="all"/>
-                </p:endSync>
+              <p:cTn id="2" dur="indefinite" nodeType="mainSeq">
                 <p:childTnLst>
                   <p:par>
                     <p:cTn id="3" fill="hold">
                       <p:stCondLst>
-                        <p:cond delay="0"/>
+                        <p:cond delay="indefinite"/>
                       </p:stCondLst>
                       <p:childTnLst>
                         <p:par>
@@ -3885,7 +3875,7 @@
                                   <p:childTnLst>
                                     <p:cmd type="call" cmd="playFrom(0.0)">
                                       <p:cBhvr>
-                                        <p:cTn id="6" dur="85211" fill="hold"/>
+                                        <p:cTn id="6" dur="1" fill="hold"/>
                                         <p:tgtEl>
                                           <p:spTgt spid="3"/>
                                         </p:tgtEl>
@@ -3902,17 +3892,24 @@
                   </p:par>
                 </p:childTnLst>
               </p:cTn>
+              <p:prevCondLst>
+                <p:cond evt="onPrev" delay="0">
+                  <p:tgtEl>
+                    <p:sldTgt/>
+                  </p:tgtEl>
+                </p:cond>
+              </p:prevCondLst>
               <p:nextCondLst>
-                <p:cond evt="onClick" delay="0">
+                <p:cond evt="onNext" delay="0">
                   <p:tgtEl>
-                    <p:spTgt spid="3"/>
+                    <p:sldTgt/>
                   </p:tgtEl>
                 </p:cond>
               </p:nextCondLst>
             </p:seq>
             <p:audio>
-              <p:cMediaNode vol="80000">
-                <p:cTn id="7" fill="hold" display="0">
+              <p:cMediaNode vol="80000" numSld="999">
+                <p:cTn id="7" fill="remove" display="0">
                   <p:stCondLst>
                     <p:cond delay="indefinite"/>
                   </p:stCondLst>
